--- a/Apresentação (1).pptx
+++ b/Apresentação (1).pptx
@@ -4830,7 +4830,7 @@
         <p:spPr>
           <a:xfrm>
             <a:off x="194572" y="8995178"/>
-            <a:ext cx="13989422" cy="7280376"/>
+            <a:ext cx="13989422" cy="8111373"/>
           </a:xfrm>
           <a:prstGeom prst="rect">
             <a:avLst/>
@@ -4940,7 +4940,7 @@
           </a:lstStyle>
           <a:p>
             <a:r>
-              <a:rPr lang="pt-BR" sz="4200" dirty="0">
+              <a:rPr lang="pt-BR" sz="4300" dirty="0">
                 <a:latin typeface="Calibri" panose="020F0502020204030204" pitchFamily="34" charset="0"/>
                 <a:cs typeface="Calibri" panose="020F0502020204030204" pitchFamily="34" charset="0"/>
               </a:rPr>
@@ -5122,7 +5122,7 @@
         </p:nvSpPr>
         <p:spPr>
           <a:xfrm>
-            <a:off x="-1" y="16385796"/>
+            <a:off x="-1" y="17339822"/>
             <a:ext cx="13855953" cy="1044206"/>
           </a:xfrm>
           <a:prstGeom prst="rect">
@@ -5281,8 +5281,8 @@
         </p:nvSpPr>
         <p:spPr>
           <a:xfrm>
-            <a:off x="195595" y="17799785"/>
-            <a:ext cx="13988399" cy="15788602"/>
+            <a:off x="114771" y="18505653"/>
+            <a:ext cx="13988399" cy="16034824"/>
           </a:xfrm>
           <a:prstGeom prst="rect">
             <a:avLst/>
@@ -5393,21 +5393,21 @@
           <a:p>
             <a:pPr algn="just"/>
             <a:r>
-              <a:rPr lang="pt-BR" sz="4200" dirty="0">
+              <a:rPr lang="pt-BR" sz="4300" dirty="0">
                 <a:latin typeface="Calibri"/>
                 <a:cs typeface="Calibri"/>
               </a:rPr>
               <a:t>O protótipo deste projeto foi desenvolvido utilizando o </a:t>
             </a:r>
             <a:r>
-              <a:rPr lang="pt-BR" sz="4200" dirty="0" err="1">
+              <a:rPr lang="pt-BR" sz="4300" dirty="0" err="1">
                 <a:latin typeface="Calibri"/>
                 <a:cs typeface="Calibri"/>
               </a:rPr>
               <a:t>Codeigniter</a:t>
             </a:r>
             <a:r>
-              <a:rPr lang="pt-BR" sz="4200" dirty="0">
+              <a:rPr lang="pt-BR" sz="4300" dirty="0">
                 <a:latin typeface="Calibri"/>
                 <a:cs typeface="Calibri"/>
               </a:rPr>
@@ -5417,161 +5417,161 @@
           <a:p>
             <a:pPr algn="just"/>
             <a:r>
-              <a:rPr lang="pt-BR" sz="4200" dirty="0">
+              <a:rPr lang="pt-BR" sz="4300" dirty="0">
                 <a:latin typeface="Calibri"/>
                 <a:cs typeface="Calibri"/>
               </a:rPr>
               <a:t>O próprio </a:t>
             </a:r>
             <a:r>
-              <a:rPr lang="pt-BR" sz="4200" dirty="0" err="1">
+              <a:rPr lang="pt-BR" sz="4300" dirty="0" err="1">
                 <a:latin typeface="Calibri"/>
                 <a:cs typeface="Calibri"/>
               </a:rPr>
               <a:t>Codeigniter</a:t>
             </a:r>
             <a:r>
-              <a:rPr lang="pt-BR" sz="4200" dirty="0">
+              <a:rPr lang="pt-BR" sz="4300" dirty="0">
                 <a:latin typeface="Calibri"/>
                 <a:cs typeface="Calibri"/>
               </a:rPr>
               <a:t> utiliza um padrão de arquitetura </a:t>
             </a:r>
             <a:r>
-              <a:rPr lang="pt-BR" sz="4200" dirty="0" err="1">
+              <a:rPr lang="pt-BR" sz="4300" dirty="0" err="1">
                 <a:latin typeface="Calibri"/>
                 <a:cs typeface="Calibri"/>
               </a:rPr>
               <a:t>Model</a:t>
             </a:r>
             <a:r>
-              <a:rPr lang="pt-BR" sz="4200" dirty="0">
+              <a:rPr lang="pt-BR" sz="4300" dirty="0">
                 <a:latin typeface="Calibri"/>
                 <a:cs typeface="Calibri"/>
               </a:rPr>
               <a:t> – </a:t>
             </a:r>
             <a:r>
-              <a:rPr lang="pt-BR" sz="4200" dirty="0" err="1">
+              <a:rPr lang="pt-BR" sz="4300" dirty="0" err="1">
                 <a:latin typeface="Calibri"/>
                 <a:cs typeface="Calibri"/>
               </a:rPr>
               <a:t>View</a:t>
             </a:r>
             <a:r>
-              <a:rPr lang="pt-BR" sz="4200" dirty="0">
+              <a:rPr lang="pt-BR" sz="4300" dirty="0">
                 <a:latin typeface="Calibri"/>
                 <a:cs typeface="Calibri"/>
               </a:rPr>
               <a:t> – </a:t>
             </a:r>
             <a:r>
-              <a:rPr lang="pt-BR" sz="4200" dirty="0" err="1">
+              <a:rPr lang="pt-BR" sz="4300" dirty="0" err="1">
                 <a:latin typeface="Calibri"/>
                 <a:cs typeface="Calibri"/>
               </a:rPr>
               <a:t>Controller</a:t>
             </a:r>
             <a:r>
-              <a:rPr lang="pt-BR" sz="4200" dirty="0">
+              <a:rPr lang="pt-BR" sz="4300" dirty="0">
                 <a:latin typeface="Calibri"/>
                 <a:cs typeface="Calibri"/>
               </a:rPr>
               <a:t> (MVC) uma arquitetura que divide a aplicação em três partes: o </a:t>
             </a:r>
             <a:r>
-              <a:rPr lang="pt-BR" sz="4200" dirty="0" err="1">
+              <a:rPr lang="pt-BR" sz="4300" dirty="0" err="1">
                 <a:latin typeface="Calibri"/>
                 <a:cs typeface="Calibri"/>
               </a:rPr>
               <a:t>Model</a:t>
             </a:r>
             <a:r>
-              <a:rPr lang="pt-BR" sz="4200" dirty="0">
+              <a:rPr lang="pt-BR" sz="4300" dirty="0">
                 <a:latin typeface="Calibri"/>
                 <a:cs typeface="Calibri"/>
               </a:rPr>
               <a:t> que seria a camada de manipulação de dados, ele é o responsável pela leitura e escrita de dados , a </a:t>
             </a:r>
             <a:r>
-              <a:rPr lang="pt-BR" sz="4200" dirty="0" err="1">
+              <a:rPr lang="pt-BR" sz="4300" dirty="0" err="1">
                 <a:latin typeface="Calibri"/>
                 <a:cs typeface="Calibri"/>
               </a:rPr>
               <a:t>View</a:t>
             </a:r>
             <a:r>
-              <a:rPr lang="pt-BR" sz="4200" dirty="0">
+              <a:rPr lang="pt-BR" sz="4300" dirty="0">
                 <a:latin typeface="Calibri"/>
                 <a:cs typeface="Calibri"/>
               </a:rPr>
               <a:t> que seria a camada de interação com o usuário, ela apenas faz a exibição dos dados  seja por meio de um </a:t>
             </a:r>
             <a:r>
-              <a:rPr lang="pt-BR" sz="4200" dirty="0" err="1">
+              <a:rPr lang="pt-BR" sz="4300" dirty="0" err="1">
                 <a:latin typeface="Calibri"/>
                 <a:cs typeface="Calibri"/>
               </a:rPr>
               <a:t>html</a:t>
             </a:r>
             <a:r>
-              <a:rPr lang="pt-BR" sz="4200" dirty="0">
+              <a:rPr lang="pt-BR" sz="4300" dirty="0">
                 <a:latin typeface="Calibri"/>
                 <a:cs typeface="Calibri"/>
               </a:rPr>
               <a:t>, e o </a:t>
             </a:r>
             <a:r>
-              <a:rPr lang="pt-BR" sz="4200" dirty="0" err="1">
+              <a:rPr lang="pt-BR" sz="4300" dirty="0" err="1">
                 <a:latin typeface="Calibri"/>
                 <a:cs typeface="Calibri"/>
               </a:rPr>
               <a:t>Controller</a:t>
             </a:r>
             <a:r>
-              <a:rPr lang="pt-BR" sz="4200" dirty="0">
+              <a:rPr lang="pt-BR" sz="4300" dirty="0">
                 <a:latin typeface="Calibri"/>
                 <a:cs typeface="Calibri"/>
               </a:rPr>
               <a:t> é a camada de controle responsável por receber todas as requisições do usuário. Seus métodos chamados </a:t>
             </a:r>
             <a:r>
-              <a:rPr lang="pt-BR" sz="4200" dirty="0" err="1">
+              <a:rPr lang="pt-BR" sz="4300" dirty="0" err="1">
                 <a:latin typeface="Calibri"/>
                 <a:cs typeface="Calibri"/>
               </a:rPr>
               <a:t>actions</a:t>
             </a:r>
             <a:r>
-              <a:rPr lang="pt-BR" sz="4200" dirty="0">
+              <a:rPr lang="pt-BR" sz="4300" dirty="0">
                 <a:latin typeface="Calibri"/>
                 <a:cs typeface="Calibri"/>
               </a:rPr>
               <a:t> são responsáveis por uma página, controlando qual </a:t>
             </a:r>
             <a:r>
-              <a:rPr lang="pt-BR" sz="4200" dirty="0" err="1">
+              <a:rPr lang="pt-BR" sz="4300" dirty="0" err="1">
                 <a:latin typeface="Calibri"/>
                 <a:cs typeface="Calibri"/>
               </a:rPr>
               <a:t>Model</a:t>
             </a:r>
             <a:r>
-              <a:rPr lang="pt-BR" sz="4200" dirty="0">
+              <a:rPr lang="pt-BR" sz="4300" dirty="0">
                 <a:latin typeface="Calibri"/>
                 <a:cs typeface="Calibri"/>
               </a:rPr>
               <a:t> usar e qual </a:t>
             </a:r>
             <a:r>
-              <a:rPr lang="pt-BR" sz="4200" dirty="0" err="1">
+              <a:rPr lang="pt-BR" sz="4300" dirty="0" err="1">
                 <a:latin typeface="Calibri"/>
                 <a:cs typeface="Calibri"/>
               </a:rPr>
               <a:t>view</a:t>
             </a:r>
             <a:r>
-              <a:rPr lang="pt-BR" sz="4200" dirty="0">
+              <a:rPr lang="pt-BR" sz="4300" dirty="0">
                 <a:latin typeface="Calibri"/>
                 <a:cs typeface="Calibri"/>
               </a:rPr>
@@ -5620,7 +5620,7 @@
         </p:blipFill>
         <p:spPr>
           <a:xfrm>
-            <a:off x="114771" y="29414859"/>
+            <a:off x="-26301" y="30750610"/>
             <a:ext cx="13882253" cy="7910870"/>
           </a:xfrm>
           <a:prstGeom prst="rect">
@@ -5642,7 +5642,7 @@
         </p:nvSpPr>
         <p:spPr>
           <a:xfrm>
-            <a:off x="-13938" y="28209590"/>
+            <a:off x="-13938" y="29414858"/>
             <a:ext cx="13882253" cy="1044206"/>
           </a:xfrm>
           <a:prstGeom prst="rect">
@@ -5801,7 +5801,7 @@
         </p:nvSpPr>
         <p:spPr>
           <a:xfrm>
-            <a:off x="1155702" y="37325729"/>
+            <a:off x="1059449" y="38620358"/>
             <a:ext cx="11697148" cy="1698725"/>
           </a:xfrm>
           <a:prstGeom prst="rect">
@@ -5854,8 +5854,8 @@
         </p:nvSpPr>
         <p:spPr>
           <a:xfrm>
-            <a:off x="18310877" y="7626676"/>
-            <a:ext cx="13988399" cy="7816553"/>
+            <a:off x="18424772" y="7765596"/>
+            <a:ext cx="13988399" cy="8001219"/>
           </a:xfrm>
           <a:prstGeom prst="rect">
             <a:avLst/>
@@ -5871,7 +5871,7 @@
           <a:lstStyle/>
           <a:p>
             <a:r>
-              <a:rPr lang="pt-BR" sz="4200" dirty="0">
+              <a:rPr lang="pt-BR" sz="4300" dirty="0">
                 <a:latin typeface="Calibri" panose="020F0502020204030204" pitchFamily="34" charset="0"/>
                 <a:cs typeface="Calibri" panose="020F0502020204030204" pitchFamily="34" charset="0"/>
               </a:rPr>
@@ -5894,7 +5894,7 @@
         </p:nvSpPr>
         <p:spPr>
           <a:xfrm>
-            <a:off x="18347741" y="15443229"/>
+            <a:off x="18347741" y="16113164"/>
             <a:ext cx="13988399" cy="993387"/>
           </a:xfrm>
           <a:prstGeom prst="rect">
@@ -6046,8 +6046,8 @@
         </p:nvSpPr>
         <p:spPr>
           <a:xfrm>
-            <a:off x="18347741" y="16933309"/>
-            <a:ext cx="13855952" cy="4616648"/>
+            <a:off x="18557219" y="17769268"/>
+            <a:ext cx="13855952" cy="4724370"/>
           </a:xfrm>
           <a:prstGeom prst="rect">
             <a:avLst/>
@@ -6061,7 +6061,7 @@
           <a:lstStyle/>
           <a:p>
             <a:r>
-              <a:rPr lang="pt-BR" sz="4200" dirty="0">
+              <a:rPr lang="pt-BR" sz="4300" dirty="0">
                 <a:latin typeface="Calibri" panose="020F0502020204030204" pitchFamily="34" charset="0"/>
                 <a:cs typeface="Calibri" panose="020F0502020204030204" pitchFamily="34" charset="0"/>
               </a:rPr>
@@ -6084,7 +6084,7 @@
         </p:nvSpPr>
         <p:spPr>
           <a:xfrm>
-            <a:off x="18424772" y="21734947"/>
+            <a:off x="18347741" y="22712429"/>
             <a:ext cx="13988399" cy="993387"/>
           </a:xfrm>
           <a:prstGeom prst="rect">
@@ -6236,8 +6236,8 @@
         </p:nvSpPr>
         <p:spPr>
           <a:xfrm>
-            <a:off x="18424772" y="23274716"/>
-            <a:ext cx="13859745" cy="12280285"/>
+            <a:off x="18557219" y="24180422"/>
+            <a:ext cx="13859745" cy="12557284"/>
           </a:xfrm>
           <a:prstGeom prst="rect">
             <a:avLst/>
@@ -6251,85 +6251,85 @@
           <a:lstStyle/>
           <a:p>
             <a:r>
-              <a:rPr lang="pt-BR" sz="4200" dirty="0"/>
+              <a:rPr lang="pt-BR" sz="4300" dirty="0"/>
               <a:t>GALLEGO, Julia </a:t>
             </a:r>
             <a:r>
-              <a:rPr lang="pt-BR" sz="4200" dirty="0" err="1"/>
+              <a:rPr lang="pt-BR" sz="4300" dirty="0" err="1"/>
               <a:t>Perucchetti</a:t>
             </a:r>
             <a:r>
-              <a:rPr lang="pt-BR" sz="4200" dirty="0"/>
+              <a:rPr lang="pt-BR" sz="4300" dirty="0"/>
               <a:t>. A Utilização dos Jogos como Recurso Didático no Ensino de Matemática. Trabalho de Conclusão de Curso - Faculdade de Ciências UNESP. Orientador: Prof.       Dr. Nelson Antônio </a:t>
             </a:r>
             <a:r>
-              <a:rPr lang="pt-BR" sz="4200" dirty="0" err="1"/>
+              <a:rPr lang="pt-BR" sz="4300" dirty="0" err="1"/>
               <a:t>Pirola</a:t>
             </a:r>
             <a:r>
-              <a:rPr lang="pt-BR" sz="4200" dirty="0"/>
+              <a:rPr lang="pt-BR" sz="4300" dirty="0"/>
               <a:t>. Bauru, 2007. </a:t>
             </a:r>
           </a:p>
           <a:p>
             <a:r>
-              <a:rPr lang="pt-BR" sz="4200" dirty="0"/>
+              <a:rPr lang="pt-BR" sz="4300" dirty="0"/>
               <a:t>AMARAL, Ricardo. Uso do RPG pedagógico para o ensino de Física. Dissertação (Mestrado em Ensino das Ciências). Universidade Federal Rural de Pernambuco. Recife: UFRPE, 2008. </a:t>
             </a:r>
           </a:p>
           <a:p>
             <a:r>
-              <a:rPr lang="pt-BR" sz="4200" dirty="0"/>
+              <a:rPr lang="pt-BR" sz="4300" dirty="0"/>
               <a:t>ARROYO, Miguel G. Imagens Quebradas – trajetórias e tempos de alunos e mestres. 4.ed. Petrópolis, </a:t>
             </a:r>
             <a:r>
-              <a:rPr lang="pt-BR" sz="4200" dirty="0" err="1"/>
+              <a:rPr lang="pt-BR" sz="4300" dirty="0" err="1"/>
               <a:t>RJ:Vozes</a:t>
             </a:r>
             <a:r>
-              <a:rPr lang="pt-BR" sz="4200" dirty="0"/>
+              <a:rPr lang="pt-BR" sz="4300" dirty="0"/>
               <a:t>, 2007. </a:t>
             </a:r>
           </a:p>
           <a:p>
             <a:r>
-              <a:rPr lang="pt-BR" sz="4200" dirty="0"/>
+              <a:rPr lang="pt-BR" sz="4300" dirty="0"/>
               <a:t>BRANDÃO, Dênis M. S. e CREMA, Roberto. Visão Holística em Psicologia e Educação. 2. ed.. São Paulo: </a:t>
             </a:r>
             <a:r>
-              <a:rPr lang="pt-BR" sz="4200" dirty="0" err="1"/>
+              <a:rPr lang="pt-BR" sz="4300" dirty="0" err="1"/>
               <a:t>Summus</a:t>
             </a:r>
             <a:r>
-              <a:rPr lang="pt-BR" sz="4200" dirty="0"/>
+              <a:rPr lang="pt-BR" sz="4300" dirty="0"/>
               <a:t>, 1991.</a:t>
             </a:r>
           </a:p>
           <a:p>
             <a:r>
-              <a:rPr lang="pt-BR" sz="4200" dirty="0"/>
+              <a:rPr lang="pt-BR" sz="4300" dirty="0"/>
               <a:t>RIYIS, Marcos. Simples – sistema inicial para mestres-professores lecionarem através de uma estratégia motivadora. São Paulo: Ed. do Autor, 2004. </a:t>
             </a:r>
           </a:p>
           <a:p>
             <a:r>
-              <a:rPr lang="pt-BR" sz="4200" dirty="0"/>
+              <a:rPr lang="pt-BR" sz="4300" dirty="0"/>
               <a:t>MARCATTO, Alfeu. Saindo do quadro – uma metodologia lúdica e participativa baseada no role </a:t>
             </a:r>
             <a:r>
-              <a:rPr lang="pt-BR" sz="4200" dirty="0" err="1"/>
+              <a:rPr lang="pt-BR" sz="4300" dirty="0" err="1"/>
               <a:t>playing</a:t>
             </a:r>
             <a:r>
-              <a:rPr lang="pt-BR" sz="4200" dirty="0"/>
+              <a:rPr lang="pt-BR" sz="4300" dirty="0"/>
               <a:t> game. 2. ed. São Paulo: A. </a:t>
             </a:r>
             <a:r>
-              <a:rPr lang="pt-BR" sz="4200" dirty="0" err="1"/>
+              <a:rPr lang="pt-BR" sz="4300" dirty="0" err="1"/>
               <a:t>Marcatto</a:t>
             </a:r>
             <a:r>
-              <a:rPr lang="pt-BR" sz="4200" dirty="0"/>
+              <a:rPr lang="pt-BR" sz="4300" dirty="0"/>
               <a:t>, 1996.</a:t>
             </a:r>
           </a:p>

--- a/Apresentação (1).pptx
+++ b/Apresentação (1).pptx
@@ -4951,10 +4951,10 @@
       </p:sp>
       <p:sp>
         <p:nvSpPr>
-          <p:cNvPr id="12" name="Retângulo 11">
+          <p:cNvPr id="14" name="Retângulo 13">
             <a:extLst>
               <a:ext uri="{FF2B5EF4-FFF2-40B4-BE49-F238E27FC236}">
-                <a16:creationId xmlns:a16="http://schemas.microsoft.com/office/drawing/2014/main" id="{11EC35A4-5D21-4E26-AAA6-07D48A7EB242}"/>
+                <a16:creationId xmlns:a16="http://schemas.microsoft.com/office/drawing/2014/main" id="{BFE37914-A348-4B72-ABDE-9D924BCB20C5}"/>
               </a:ext>
             </a:extLst>
           </p:cNvPr>
@@ -4963,8 +4963,8 @@
         </p:nvSpPr>
         <p:spPr>
           <a:xfrm>
-            <a:off x="-13937" y="7896392"/>
-            <a:ext cx="13869889" cy="937725"/>
+            <a:off x="-26301" y="17117488"/>
+            <a:ext cx="15279667" cy="1277477"/>
           </a:xfrm>
           <a:prstGeom prst="rect">
             <a:avLst/>
@@ -4990,7 +4990,7 @@
           </a:fontRef>
         </p:style>
         <p:txBody>
-          <a:bodyPr lIns="169087" tIns="84543" rIns="169087" bIns="84543" rtlCol="0" anchor="ctr"/>
+          <a:bodyPr rtlCol="0" anchor="ctr"/>
           <a:lstStyle>
             <a:defPPr>
               <a:defRPr lang="de-DE"/>
@@ -5096,7 +5096,7 @@
                 <a:latin typeface="Arial"/>
                 <a:cs typeface="Arial"/>
               </a:rPr>
-              <a:t>1. Introdução</a:t>
+              <a:t>2. Metodologia</a:t>
             </a:r>
             <a:endParaRPr lang="pt-BR" sz="5178" dirty="0" err="1">
               <a:solidFill>
@@ -5110,10 +5110,464 @@
       </p:sp>
       <p:sp>
         <p:nvSpPr>
-          <p:cNvPr id="14" name="Retângulo 13">
+          <p:cNvPr id="15" name="CaixaDeTexto 14">
             <a:extLst>
               <a:ext uri="{FF2B5EF4-FFF2-40B4-BE49-F238E27FC236}">
-                <a16:creationId xmlns:a16="http://schemas.microsoft.com/office/drawing/2014/main" id="{BFE37914-A348-4B72-ABDE-9D924BCB20C5}"/>
+                <a16:creationId xmlns:a16="http://schemas.microsoft.com/office/drawing/2014/main" id="{280F93A2-30C7-440D-9E8E-E672DDC02FEA}"/>
+              </a:ext>
+            </a:extLst>
+          </p:cNvPr>
+          <p:cNvSpPr txBox="1"/>
+          <p:nvPr/>
+        </p:nvSpPr>
+        <p:spPr>
+          <a:xfrm>
+            <a:off x="114771" y="18617299"/>
+            <a:ext cx="15058794" cy="15373104"/>
+          </a:xfrm>
+          <a:prstGeom prst="rect">
+            <a:avLst/>
+          </a:prstGeom>
+        </p:spPr>
+        <p:txBody>
+          <a:bodyPr rot="0" spcFirstLastPara="0" vertOverflow="overflow" horzOverflow="overflow" vert="horz" wrap="square" lIns="169087" tIns="84543" rIns="169087" bIns="84543" numCol="1" spcCol="0" rtlCol="0" fromWordArt="0" anchor="t" anchorCtr="0" forceAA="0" compatLnSpc="1">
+            <a:prstTxWarp prst="textNoShape">
+              <a:avLst/>
+            </a:prstTxWarp>
+            <a:spAutoFit/>
+          </a:bodyPr>
+          <a:lstStyle>
+            <a:defPPr>
+              <a:defRPr lang="de-DE"/>
+            </a:defPPr>
+            <a:lvl1pPr marL="0" algn="l" defTabSz="1676370" rtl="0" eaLnBrk="1" latinLnBrk="0" hangingPunct="1">
+              <a:defRPr sz="3300" kern="1200">
+                <a:solidFill>
+                  <a:schemeClr val="tx1"/>
+                </a:solidFill>
+                <a:latin typeface="+mn-lt"/>
+                <a:ea typeface="+mn-ea"/>
+                <a:cs typeface="+mn-cs"/>
+              </a:defRPr>
+            </a:lvl1pPr>
+            <a:lvl2pPr marL="838185" algn="l" defTabSz="1676370" rtl="0" eaLnBrk="1" latinLnBrk="0" hangingPunct="1">
+              <a:defRPr sz="3300" kern="1200">
+                <a:solidFill>
+                  <a:schemeClr val="tx1"/>
+                </a:solidFill>
+                <a:latin typeface="+mn-lt"/>
+                <a:ea typeface="+mn-ea"/>
+                <a:cs typeface="+mn-cs"/>
+              </a:defRPr>
+            </a:lvl2pPr>
+            <a:lvl3pPr marL="1676370" algn="l" defTabSz="1676370" rtl="0" eaLnBrk="1" latinLnBrk="0" hangingPunct="1">
+              <a:defRPr sz="3300" kern="1200">
+                <a:solidFill>
+                  <a:schemeClr val="tx1"/>
+                </a:solidFill>
+                <a:latin typeface="+mn-lt"/>
+                <a:ea typeface="+mn-ea"/>
+                <a:cs typeface="+mn-cs"/>
+              </a:defRPr>
+            </a:lvl3pPr>
+            <a:lvl4pPr marL="2514554" algn="l" defTabSz="1676370" rtl="0" eaLnBrk="1" latinLnBrk="0" hangingPunct="1">
+              <a:defRPr sz="3300" kern="1200">
+                <a:solidFill>
+                  <a:schemeClr val="tx1"/>
+                </a:solidFill>
+                <a:latin typeface="+mn-lt"/>
+                <a:ea typeface="+mn-ea"/>
+                <a:cs typeface="+mn-cs"/>
+              </a:defRPr>
+            </a:lvl4pPr>
+            <a:lvl5pPr marL="3352739" algn="l" defTabSz="1676370" rtl="0" eaLnBrk="1" latinLnBrk="0" hangingPunct="1">
+              <a:defRPr sz="3300" kern="1200">
+                <a:solidFill>
+                  <a:schemeClr val="tx1"/>
+                </a:solidFill>
+                <a:latin typeface="+mn-lt"/>
+                <a:ea typeface="+mn-ea"/>
+                <a:cs typeface="+mn-cs"/>
+              </a:defRPr>
+            </a:lvl5pPr>
+            <a:lvl6pPr marL="4190924" algn="l" defTabSz="1676370" rtl="0" eaLnBrk="1" latinLnBrk="0" hangingPunct="1">
+              <a:defRPr sz="3300" kern="1200">
+                <a:solidFill>
+                  <a:schemeClr val="tx1"/>
+                </a:solidFill>
+                <a:latin typeface="+mn-lt"/>
+                <a:ea typeface="+mn-ea"/>
+                <a:cs typeface="+mn-cs"/>
+              </a:defRPr>
+            </a:lvl6pPr>
+            <a:lvl7pPr marL="5029109" algn="l" defTabSz="1676370" rtl="0" eaLnBrk="1" latinLnBrk="0" hangingPunct="1">
+              <a:defRPr sz="3300" kern="1200">
+                <a:solidFill>
+                  <a:schemeClr val="tx1"/>
+                </a:solidFill>
+                <a:latin typeface="+mn-lt"/>
+                <a:ea typeface="+mn-ea"/>
+                <a:cs typeface="+mn-cs"/>
+              </a:defRPr>
+            </a:lvl7pPr>
+            <a:lvl8pPr marL="5867293" algn="l" defTabSz="1676370" rtl="0" eaLnBrk="1" latinLnBrk="0" hangingPunct="1">
+              <a:defRPr sz="3300" kern="1200">
+                <a:solidFill>
+                  <a:schemeClr val="tx1"/>
+                </a:solidFill>
+                <a:latin typeface="+mn-lt"/>
+                <a:ea typeface="+mn-ea"/>
+                <a:cs typeface="+mn-cs"/>
+              </a:defRPr>
+            </a:lvl8pPr>
+            <a:lvl9pPr marL="6705478" algn="l" defTabSz="1676370" rtl="0" eaLnBrk="1" latinLnBrk="0" hangingPunct="1">
+              <a:defRPr sz="3300" kern="1200">
+                <a:solidFill>
+                  <a:schemeClr val="tx1"/>
+                </a:solidFill>
+                <a:latin typeface="+mn-lt"/>
+                <a:ea typeface="+mn-ea"/>
+                <a:cs typeface="+mn-cs"/>
+              </a:defRPr>
+            </a:lvl9pPr>
+          </a:lstStyle>
+          <a:p>
+            <a:pPr algn="just"/>
+            <a:r>
+              <a:rPr lang="pt-BR" sz="4300" dirty="0">
+                <a:latin typeface="Calibri"/>
+                <a:cs typeface="Calibri"/>
+              </a:rPr>
+              <a:t>O protótipo deste projeto foi desenvolvido utilizando o </a:t>
+            </a:r>
+            <a:r>
+              <a:rPr lang="pt-BR" sz="4300" dirty="0" err="1">
+                <a:latin typeface="Calibri"/>
+                <a:cs typeface="Calibri"/>
+              </a:rPr>
+              <a:t>Codeigniter</a:t>
+            </a:r>
+            <a:r>
+              <a:rPr lang="pt-BR" sz="4300" dirty="0">
+                <a:latin typeface="Calibri"/>
+                <a:cs typeface="Calibri"/>
+              </a:rPr>
+              <a:t> (v. 3.1.9) um framework que auxilia na comunicação entre cliente-servidor, de maneira segura além de oferecer um bom gerenciamento de memória fazendo com que seja mais fácil a parte do desenvolvimento.</a:t>
+            </a:r>
+          </a:p>
+          <a:p>
+            <a:pPr algn="just"/>
+            <a:r>
+              <a:rPr lang="pt-BR" sz="4300" dirty="0">
+                <a:latin typeface="Calibri"/>
+                <a:cs typeface="Calibri"/>
+              </a:rPr>
+              <a:t>O próprio </a:t>
+            </a:r>
+            <a:r>
+              <a:rPr lang="pt-BR" sz="4300" dirty="0" err="1">
+                <a:latin typeface="Calibri"/>
+                <a:cs typeface="Calibri"/>
+              </a:rPr>
+              <a:t>Codeigniter</a:t>
+            </a:r>
+            <a:r>
+              <a:rPr lang="pt-BR" sz="4300" dirty="0">
+                <a:latin typeface="Calibri"/>
+                <a:cs typeface="Calibri"/>
+              </a:rPr>
+              <a:t> utiliza um padrão de arquitetura </a:t>
+            </a:r>
+            <a:r>
+              <a:rPr lang="pt-BR" sz="4300" dirty="0" err="1">
+                <a:latin typeface="Calibri"/>
+                <a:cs typeface="Calibri"/>
+              </a:rPr>
+              <a:t>Model</a:t>
+            </a:r>
+            <a:r>
+              <a:rPr lang="pt-BR" sz="4300" dirty="0">
+                <a:latin typeface="Calibri"/>
+                <a:cs typeface="Calibri"/>
+              </a:rPr>
+              <a:t> – </a:t>
+            </a:r>
+            <a:r>
+              <a:rPr lang="pt-BR" sz="4300" dirty="0" err="1">
+                <a:latin typeface="Calibri"/>
+                <a:cs typeface="Calibri"/>
+              </a:rPr>
+              <a:t>View</a:t>
+            </a:r>
+            <a:r>
+              <a:rPr lang="pt-BR" sz="4300" dirty="0">
+                <a:latin typeface="Calibri"/>
+                <a:cs typeface="Calibri"/>
+              </a:rPr>
+              <a:t> – </a:t>
+            </a:r>
+            <a:r>
+              <a:rPr lang="pt-BR" sz="4300" dirty="0" err="1">
+                <a:latin typeface="Calibri"/>
+                <a:cs typeface="Calibri"/>
+              </a:rPr>
+              <a:t>Controller</a:t>
+            </a:r>
+            <a:r>
+              <a:rPr lang="pt-BR" sz="4300" dirty="0">
+                <a:latin typeface="Calibri"/>
+                <a:cs typeface="Calibri"/>
+              </a:rPr>
+              <a:t> (MVC) uma arquitetura que divide a aplicação em três partes: o </a:t>
+            </a:r>
+            <a:r>
+              <a:rPr lang="pt-BR" sz="4300" dirty="0" err="1">
+                <a:latin typeface="Calibri"/>
+                <a:cs typeface="Calibri"/>
+              </a:rPr>
+              <a:t>Model</a:t>
+            </a:r>
+            <a:r>
+              <a:rPr lang="pt-BR" sz="4300" dirty="0">
+                <a:latin typeface="Calibri"/>
+                <a:cs typeface="Calibri"/>
+              </a:rPr>
+              <a:t> que seria a camada de manipulação de dados, ele é o responsável pela leitura e escrita de dados , a </a:t>
+            </a:r>
+            <a:r>
+              <a:rPr lang="pt-BR" sz="4300" dirty="0" err="1">
+                <a:latin typeface="Calibri"/>
+                <a:cs typeface="Calibri"/>
+              </a:rPr>
+              <a:t>View</a:t>
+            </a:r>
+            <a:r>
+              <a:rPr lang="pt-BR" sz="4300" dirty="0">
+                <a:latin typeface="Calibri"/>
+                <a:cs typeface="Calibri"/>
+              </a:rPr>
+              <a:t> que seria a camada de interação com o usuário, ela apenas faz a exibição dos dados  seja por meio de um </a:t>
+            </a:r>
+            <a:r>
+              <a:rPr lang="pt-BR" sz="4300" dirty="0" err="1">
+                <a:latin typeface="Calibri"/>
+                <a:cs typeface="Calibri"/>
+              </a:rPr>
+              <a:t>html</a:t>
+            </a:r>
+            <a:r>
+              <a:rPr lang="pt-BR" sz="4300" dirty="0">
+                <a:latin typeface="Calibri"/>
+                <a:cs typeface="Calibri"/>
+              </a:rPr>
+              <a:t>, e o </a:t>
+            </a:r>
+            <a:r>
+              <a:rPr lang="pt-BR" sz="4300" dirty="0" err="1">
+                <a:latin typeface="Calibri"/>
+                <a:cs typeface="Calibri"/>
+              </a:rPr>
+              <a:t>Controller</a:t>
+            </a:r>
+            <a:r>
+              <a:rPr lang="pt-BR" sz="4300" dirty="0">
+                <a:latin typeface="Calibri"/>
+                <a:cs typeface="Calibri"/>
+              </a:rPr>
+              <a:t> é a camada de controle responsável por receber todas as requisições do usuário. Seus métodos chamados </a:t>
+            </a:r>
+            <a:r>
+              <a:rPr lang="pt-BR" sz="4300" dirty="0" err="1">
+                <a:latin typeface="Calibri"/>
+                <a:cs typeface="Calibri"/>
+              </a:rPr>
+              <a:t>actions</a:t>
+            </a:r>
+            <a:r>
+              <a:rPr lang="pt-BR" sz="4300" dirty="0">
+                <a:latin typeface="Calibri"/>
+                <a:cs typeface="Calibri"/>
+              </a:rPr>
+              <a:t> são responsáveis por uma página, controlando qual </a:t>
+            </a:r>
+            <a:r>
+              <a:rPr lang="pt-BR" sz="4300" dirty="0" err="1">
+                <a:latin typeface="Calibri"/>
+                <a:cs typeface="Calibri"/>
+              </a:rPr>
+              <a:t>Model</a:t>
+            </a:r>
+            <a:r>
+              <a:rPr lang="pt-BR" sz="4300" dirty="0">
+                <a:latin typeface="Calibri"/>
+                <a:cs typeface="Calibri"/>
+              </a:rPr>
+              <a:t> usar e qual </a:t>
+            </a:r>
+            <a:r>
+              <a:rPr lang="pt-BR" sz="4300" dirty="0" err="1">
+                <a:latin typeface="Calibri"/>
+                <a:cs typeface="Calibri"/>
+              </a:rPr>
+              <a:t>view</a:t>
+            </a:r>
+            <a:r>
+              <a:rPr lang="pt-BR" sz="4300" dirty="0">
+                <a:latin typeface="Calibri"/>
+                <a:cs typeface="Calibri"/>
+              </a:rPr>
+              <a:t> será mostrado ao usuário.</a:t>
+            </a:r>
+          </a:p>
+          <a:p>
+            <a:pPr algn="just"/>
+            <a:endParaRPr lang="pt-BR" sz="4331" dirty="0">
+              <a:latin typeface="Calibri"/>
+              <a:cs typeface="Calibri"/>
+            </a:endParaRPr>
+          </a:p>
+          <a:p>
+            <a:br>
+              <a:rPr lang="en-US" sz="9986" dirty="0"/>
+            </a:br>
+            <a:endParaRPr lang="en-US" sz="9986" dirty="0"/>
+          </a:p>
+          <a:p>
+            <a:endParaRPr lang="pt-BR" sz="9986" dirty="0">
+              <a:cs typeface="Calibri"/>
+            </a:endParaRPr>
+          </a:p>
+        </p:txBody>
+      </p:sp>
+      <p:pic>
+        <p:nvPicPr>
+          <p:cNvPr id="16" name="Imagem 16">
+            <a:extLst>
+              <a:ext uri="{FF2B5EF4-FFF2-40B4-BE49-F238E27FC236}">
+                <a16:creationId xmlns:a16="http://schemas.microsoft.com/office/drawing/2014/main" id="{228392FC-07B7-4AA9-83D6-B55B60E05AF1}"/>
+              </a:ext>
+            </a:extLst>
+          </p:cNvPr>
+          <p:cNvPicPr>
+            <a:picLocks noChangeAspect="1"/>
+          </p:cNvPicPr>
+          <p:nvPr/>
+        </p:nvPicPr>
+        <p:blipFill>
+          <a:blip r:embed="rId3"/>
+          <a:stretch>
+            <a:fillRect/>
+          </a:stretch>
+        </p:blipFill>
+        <p:spPr>
+          <a:xfrm>
+            <a:off x="194572" y="30684879"/>
+            <a:ext cx="14927370" cy="6957684"/>
+          </a:xfrm>
+          <a:prstGeom prst="rect">
+            <a:avLst/>
+          </a:prstGeom>
+        </p:spPr>
+      </p:pic>
+      <p:sp>
+        <p:nvSpPr>
+          <p:cNvPr id="23" name="CaixaDeTexto 22">
+            <a:extLst>
+              <a:ext uri="{FF2B5EF4-FFF2-40B4-BE49-F238E27FC236}">
+                <a16:creationId xmlns:a16="http://schemas.microsoft.com/office/drawing/2014/main" id="{C9F5866A-620B-4EEA-A570-247306BF3E75}"/>
+              </a:ext>
+            </a:extLst>
+          </p:cNvPr>
+          <p:cNvSpPr txBox="1"/>
+          <p:nvPr/>
+        </p:nvSpPr>
+        <p:spPr>
+          <a:xfrm>
+            <a:off x="1764958" y="37748532"/>
+            <a:ext cx="11697148" cy="2268111"/>
+          </a:xfrm>
+          <a:prstGeom prst="rect">
+            <a:avLst/>
+          </a:prstGeom>
+        </p:spPr>
+        <p:txBody>
+          <a:bodyPr rot="0" spcFirstLastPara="0" vertOverflow="overflow" horzOverflow="overflow" vert="horz" wrap="square" lIns="59999" tIns="29999" rIns="59999" bIns="29999" numCol="1" spcCol="0" rtlCol="0" fromWordArt="0" anchor="t" anchorCtr="0" forceAA="0" compatLnSpc="1">
+            <a:prstTxWarp prst="textNoShape">
+              <a:avLst/>
+            </a:prstTxWarp>
+            <a:spAutoFit/>
+          </a:bodyPr>
+          <a:lstStyle/>
+          <a:p>
+            <a:r>
+              <a:rPr lang="pt-BR" sz="3600" b="1" dirty="0">
+                <a:cs typeface="Calibri"/>
+              </a:rPr>
+              <a:t>Figura 1. Esta figura representa a tela inicial da aplicação web.</a:t>
+            </a:r>
+          </a:p>
+          <a:p>
+            <a:br>
+              <a:rPr lang="en-US" sz="845" dirty="0"/>
+            </a:br>
+            <a:endParaRPr lang="en-US" sz="3150" dirty="0">
+              <a:cs typeface="Calibri"/>
+            </a:endParaRPr>
+          </a:p>
+          <a:p>
+            <a:pPr algn="l"/>
+            <a:endParaRPr lang="pt-BR" sz="3150" dirty="0">
+              <a:cs typeface="Calibri"/>
+            </a:endParaRPr>
+          </a:p>
+        </p:txBody>
+      </p:sp>
+      <p:sp>
+        <p:nvSpPr>
+          <p:cNvPr id="24" name="CaixaDeTexto 23">
+            <a:extLst>
+              <a:ext uri="{FF2B5EF4-FFF2-40B4-BE49-F238E27FC236}">
+                <a16:creationId xmlns:a16="http://schemas.microsoft.com/office/drawing/2014/main" id="{0F737D3C-8ED1-4DFD-AA1E-289355A17871}"/>
+              </a:ext>
+            </a:extLst>
+          </p:cNvPr>
+          <p:cNvSpPr txBox="1"/>
+          <p:nvPr/>
+        </p:nvSpPr>
+        <p:spPr>
+          <a:xfrm>
+            <a:off x="17354377" y="8228670"/>
+            <a:ext cx="15058794" cy="7339500"/>
+          </a:xfrm>
+          <a:prstGeom prst="rect">
+            <a:avLst/>
+          </a:prstGeom>
+        </p:spPr>
+        <p:txBody>
+          <a:bodyPr rot="0" spcFirstLastPara="0" vertOverflow="overflow" horzOverflow="overflow" vert="horz" wrap="square" lIns="59999" tIns="29999" rIns="59999" bIns="29999" numCol="1" spcCol="0" rtlCol="0" fromWordArt="0" anchor="t" anchorCtr="0" forceAA="0" compatLnSpc="1">
+            <a:prstTxWarp prst="textNoShape">
+              <a:avLst/>
+            </a:prstTxWarp>
+            <a:spAutoFit/>
+          </a:bodyPr>
+          <a:lstStyle/>
+          <a:p>
+            <a:r>
+              <a:rPr lang="pt-BR" sz="4300" dirty="0">
+                <a:latin typeface="Calibri" panose="020F0502020204030204" pitchFamily="34" charset="0"/>
+                <a:cs typeface="Calibri" panose="020F0502020204030204" pitchFamily="34" charset="0"/>
+              </a:rPr>
+              <a:t>A aplicação web inicializara com uma tela simples de login, nela poderá ser feito sua entrada ao site, cadastro de um novo usuário e a recuperação caso tenha esquecido sua senha. Assim que fizer o login o usuário é levado a uma tela inicial e nela e possível escolher o acesso as funcionalidades da aplicação que são separadas por 2 partes, professores e alunos, por parte do professor e feito o  cadastro das habilidades, dos desafios e das matérias assim como a correção dos desafios respondidos  pelos alunos, já os alunos poderão acessar os desafios, acompanhar as matérias que está cadastrado e também visualizar sua progressão referente ao nível e as habilidades que obteve.</a:t>
+            </a:r>
+          </a:p>
+        </p:txBody>
+      </p:sp>
+      <p:sp>
+        <p:nvSpPr>
+          <p:cNvPr id="17" name="Retângulo 16">
+            <a:extLst>
+              <a:ext uri="{FF2B5EF4-FFF2-40B4-BE49-F238E27FC236}">
+                <a16:creationId xmlns:a16="http://schemas.microsoft.com/office/drawing/2014/main" id="{7280F177-4C10-4884-B584-1EF0EE2B228C}"/>
               </a:ext>
             </a:extLst>
           </p:cNvPr>
@@ -5122,8 +5576,8 @@
         </p:nvSpPr>
         <p:spPr>
           <a:xfrm>
-            <a:off x="-1" y="17339822"/>
-            <a:ext cx="13855953" cy="1044206"/>
+            <a:off x="17354377" y="15829074"/>
+            <a:ext cx="14981764" cy="1277477"/>
           </a:xfrm>
           <a:prstGeom prst="rect">
             <a:avLst/>
@@ -5149,7 +5603,7 @@
           </a:fontRef>
         </p:style>
         <p:txBody>
-          <a:bodyPr rtlCol="0" anchor="ctr"/>
+          <a:bodyPr lIns="169087" tIns="84543" rIns="169087" bIns="84543" rtlCol="0" anchor="ctr"/>
           <a:lstStyle>
             <a:defPPr>
               <a:defRPr lang="de-DE"/>
@@ -5248,31 +5702,24 @@
           <a:p>
             <a:pPr algn="ctr"/>
             <a:r>
-              <a:rPr lang="pt-BR" sz="5178" dirty="0">
+              <a:rPr lang="pt-BR" sz="5151" dirty="0">
                 <a:solidFill>
                   <a:schemeClr val="bg1"/>
                 </a:solidFill>
                 <a:latin typeface="Arial"/>
                 <a:cs typeface="Arial"/>
               </a:rPr>
-              <a:t>2. Metodologia</a:t>
-            </a:r>
-            <a:endParaRPr lang="pt-BR" sz="5178" dirty="0" err="1">
-              <a:solidFill>
-                <a:schemeClr val="bg1"/>
-              </a:solidFill>
-              <a:latin typeface="Arial"/>
-              <a:cs typeface="Arial"/>
-            </a:endParaRPr>
-          </a:p>
-        </p:txBody>
-      </p:sp>
-      <p:sp>
-        <p:nvSpPr>
-          <p:cNvPr id="15" name="CaixaDeTexto 14">
+              <a:t>4. Conclusões</a:t>
+            </a:r>
+          </a:p>
+        </p:txBody>
+      </p:sp>
+      <p:sp>
+        <p:nvSpPr>
+          <p:cNvPr id="2" name="CaixaDeTexto 1">
             <a:extLst>
               <a:ext uri="{FF2B5EF4-FFF2-40B4-BE49-F238E27FC236}">
-                <a16:creationId xmlns:a16="http://schemas.microsoft.com/office/drawing/2014/main" id="{280F93A2-30C7-440D-9E8E-E672DDC02FEA}"/>
+                <a16:creationId xmlns:a16="http://schemas.microsoft.com/office/drawing/2014/main" id="{46AA6B19-BBD4-41BD-87B3-470929E41D4A}"/>
               </a:ext>
             </a:extLst>
           </p:cNvPr>
@@ -5281,359 +5728,36 @@
         </p:nvSpPr>
         <p:spPr>
           <a:xfrm>
-            <a:off x="114771" y="18505653"/>
-            <a:ext cx="13988399" cy="16034824"/>
+            <a:off x="17273554" y="17503182"/>
+            <a:ext cx="15139617" cy="4724370"/>
           </a:xfrm>
           <a:prstGeom prst="rect">
             <a:avLst/>
           </a:prstGeom>
+          <a:noFill/>
         </p:spPr>
         <p:txBody>
-          <a:bodyPr rot="0" spcFirstLastPara="0" vertOverflow="overflow" horzOverflow="overflow" vert="horz" wrap="square" lIns="169087" tIns="84543" rIns="169087" bIns="84543" numCol="1" spcCol="0" rtlCol="0" fromWordArt="0" anchor="t" anchorCtr="0" forceAA="0" compatLnSpc="1">
-            <a:prstTxWarp prst="textNoShape">
-              <a:avLst/>
-            </a:prstTxWarp>
+          <a:bodyPr wrap="square" rtlCol="0">
             <a:spAutoFit/>
           </a:bodyPr>
-          <a:lstStyle>
-            <a:defPPr>
-              <a:defRPr lang="de-DE"/>
-            </a:defPPr>
-            <a:lvl1pPr marL="0" algn="l" defTabSz="1676370" rtl="0" eaLnBrk="1" latinLnBrk="0" hangingPunct="1">
-              <a:defRPr sz="3300" kern="1200">
-                <a:solidFill>
-                  <a:schemeClr val="tx1"/>
-                </a:solidFill>
-                <a:latin typeface="+mn-lt"/>
-                <a:ea typeface="+mn-ea"/>
-                <a:cs typeface="+mn-cs"/>
-              </a:defRPr>
-            </a:lvl1pPr>
-            <a:lvl2pPr marL="838185" algn="l" defTabSz="1676370" rtl="0" eaLnBrk="1" latinLnBrk="0" hangingPunct="1">
-              <a:defRPr sz="3300" kern="1200">
-                <a:solidFill>
-                  <a:schemeClr val="tx1"/>
-                </a:solidFill>
-                <a:latin typeface="+mn-lt"/>
-                <a:ea typeface="+mn-ea"/>
-                <a:cs typeface="+mn-cs"/>
-              </a:defRPr>
-            </a:lvl2pPr>
-            <a:lvl3pPr marL="1676370" algn="l" defTabSz="1676370" rtl="0" eaLnBrk="1" latinLnBrk="0" hangingPunct="1">
-              <a:defRPr sz="3300" kern="1200">
-                <a:solidFill>
-                  <a:schemeClr val="tx1"/>
-                </a:solidFill>
-                <a:latin typeface="+mn-lt"/>
-                <a:ea typeface="+mn-ea"/>
-                <a:cs typeface="+mn-cs"/>
-              </a:defRPr>
-            </a:lvl3pPr>
-            <a:lvl4pPr marL="2514554" algn="l" defTabSz="1676370" rtl="0" eaLnBrk="1" latinLnBrk="0" hangingPunct="1">
-              <a:defRPr sz="3300" kern="1200">
-                <a:solidFill>
-                  <a:schemeClr val="tx1"/>
-                </a:solidFill>
-                <a:latin typeface="+mn-lt"/>
-                <a:ea typeface="+mn-ea"/>
-                <a:cs typeface="+mn-cs"/>
-              </a:defRPr>
-            </a:lvl4pPr>
-            <a:lvl5pPr marL="3352739" algn="l" defTabSz="1676370" rtl="0" eaLnBrk="1" latinLnBrk="0" hangingPunct="1">
-              <a:defRPr sz="3300" kern="1200">
-                <a:solidFill>
-                  <a:schemeClr val="tx1"/>
-                </a:solidFill>
-                <a:latin typeface="+mn-lt"/>
-                <a:ea typeface="+mn-ea"/>
-                <a:cs typeface="+mn-cs"/>
-              </a:defRPr>
-            </a:lvl5pPr>
-            <a:lvl6pPr marL="4190924" algn="l" defTabSz="1676370" rtl="0" eaLnBrk="1" latinLnBrk="0" hangingPunct="1">
-              <a:defRPr sz="3300" kern="1200">
-                <a:solidFill>
-                  <a:schemeClr val="tx1"/>
-                </a:solidFill>
-                <a:latin typeface="+mn-lt"/>
-                <a:ea typeface="+mn-ea"/>
-                <a:cs typeface="+mn-cs"/>
-              </a:defRPr>
-            </a:lvl6pPr>
-            <a:lvl7pPr marL="5029109" algn="l" defTabSz="1676370" rtl="0" eaLnBrk="1" latinLnBrk="0" hangingPunct="1">
-              <a:defRPr sz="3300" kern="1200">
-                <a:solidFill>
-                  <a:schemeClr val="tx1"/>
-                </a:solidFill>
-                <a:latin typeface="+mn-lt"/>
-                <a:ea typeface="+mn-ea"/>
-                <a:cs typeface="+mn-cs"/>
-              </a:defRPr>
-            </a:lvl7pPr>
-            <a:lvl8pPr marL="5867293" algn="l" defTabSz="1676370" rtl="0" eaLnBrk="1" latinLnBrk="0" hangingPunct="1">
-              <a:defRPr sz="3300" kern="1200">
-                <a:solidFill>
-                  <a:schemeClr val="tx1"/>
-                </a:solidFill>
-                <a:latin typeface="+mn-lt"/>
-                <a:ea typeface="+mn-ea"/>
-                <a:cs typeface="+mn-cs"/>
-              </a:defRPr>
-            </a:lvl8pPr>
-            <a:lvl9pPr marL="6705478" algn="l" defTabSz="1676370" rtl="0" eaLnBrk="1" latinLnBrk="0" hangingPunct="1">
-              <a:defRPr sz="3300" kern="1200">
-                <a:solidFill>
-                  <a:schemeClr val="tx1"/>
-                </a:solidFill>
-                <a:latin typeface="+mn-lt"/>
-                <a:ea typeface="+mn-ea"/>
-                <a:cs typeface="+mn-cs"/>
-              </a:defRPr>
-            </a:lvl9pPr>
-          </a:lstStyle>
-          <a:p>
-            <a:pPr algn="just"/>
+          <a:lstStyle/>
+          <a:p>
             <a:r>
               <a:rPr lang="pt-BR" sz="4300" dirty="0">
-                <a:latin typeface="Calibri"/>
-                <a:cs typeface="Calibri"/>
+                <a:latin typeface="Calibri" panose="020F0502020204030204" pitchFamily="34" charset="0"/>
+                <a:cs typeface="Calibri" panose="020F0502020204030204" pitchFamily="34" charset="0"/>
               </a:rPr>
-              <a:t>O protótipo deste projeto foi desenvolvido utilizando o </a:t>
-            </a:r>
-            <a:r>
-              <a:rPr lang="pt-BR" sz="4300" dirty="0" err="1">
-                <a:latin typeface="Calibri"/>
-                <a:cs typeface="Calibri"/>
-              </a:rPr>
-              <a:t>Codeigniter</a:t>
-            </a:r>
-            <a:r>
-              <a:rPr lang="pt-BR" sz="4300" dirty="0">
-                <a:latin typeface="Calibri"/>
-                <a:cs typeface="Calibri"/>
-              </a:rPr>
-              <a:t> (v. 3.1.9) um framework que auxilia na comunicação entre cliente-servidor, de maneira segura além de oferecer um bom gerenciamento de memória fazendo com que seja mais fácil a parte do desenvolvimento.</a:t>
-            </a:r>
-          </a:p>
-          <a:p>
-            <a:pPr algn="just"/>
-            <a:r>
-              <a:rPr lang="pt-BR" sz="4300" dirty="0">
-                <a:latin typeface="Calibri"/>
-                <a:cs typeface="Calibri"/>
-              </a:rPr>
-              <a:t>O próprio </a:t>
-            </a:r>
-            <a:r>
-              <a:rPr lang="pt-BR" sz="4300" dirty="0" err="1">
-                <a:latin typeface="Calibri"/>
-                <a:cs typeface="Calibri"/>
-              </a:rPr>
-              <a:t>Codeigniter</a:t>
-            </a:r>
-            <a:r>
-              <a:rPr lang="pt-BR" sz="4300" dirty="0">
-                <a:latin typeface="Calibri"/>
-                <a:cs typeface="Calibri"/>
-              </a:rPr>
-              <a:t> utiliza um padrão de arquitetura </a:t>
-            </a:r>
-            <a:r>
-              <a:rPr lang="pt-BR" sz="4300" dirty="0" err="1">
-                <a:latin typeface="Calibri"/>
-                <a:cs typeface="Calibri"/>
-              </a:rPr>
-              <a:t>Model</a:t>
-            </a:r>
-            <a:r>
-              <a:rPr lang="pt-BR" sz="4300" dirty="0">
-                <a:latin typeface="Calibri"/>
-                <a:cs typeface="Calibri"/>
-              </a:rPr>
-              <a:t> – </a:t>
-            </a:r>
-            <a:r>
-              <a:rPr lang="pt-BR" sz="4300" dirty="0" err="1">
-                <a:latin typeface="Calibri"/>
-                <a:cs typeface="Calibri"/>
-              </a:rPr>
-              <a:t>View</a:t>
-            </a:r>
-            <a:r>
-              <a:rPr lang="pt-BR" sz="4300" dirty="0">
-                <a:latin typeface="Calibri"/>
-                <a:cs typeface="Calibri"/>
-              </a:rPr>
-              <a:t> – </a:t>
-            </a:r>
-            <a:r>
-              <a:rPr lang="pt-BR" sz="4300" dirty="0" err="1">
-                <a:latin typeface="Calibri"/>
-                <a:cs typeface="Calibri"/>
-              </a:rPr>
-              <a:t>Controller</a:t>
-            </a:r>
-            <a:r>
-              <a:rPr lang="pt-BR" sz="4300" dirty="0">
-                <a:latin typeface="Calibri"/>
-                <a:cs typeface="Calibri"/>
-              </a:rPr>
-              <a:t> (MVC) uma arquitetura que divide a aplicação em três partes: o </a:t>
-            </a:r>
-            <a:r>
-              <a:rPr lang="pt-BR" sz="4300" dirty="0" err="1">
-                <a:latin typeface="Calibri"/>
-                <a:cs typeface="Calibri"/>
-              </a:rPr>
-              <a:t>Model</a:t>
-            </a:r>
-            <a:r>
-              <a:rPr lang="pt-BR" sz="4300" dirty="0">
-                <a:latin typeface="Calibri"/>
-                <a:cs typeface="Calibri"/>
-              </a:rPr>
-              <a:t> que seria a camada de manipulação de dados, ele é o responsável pela leitura e escrita de dados , a </a:t>
-            </a:r>
-            <a:r>
-              <a:rPr lang="pt-BR" sz="4300" dirty="0" err="1">
-                <a:latin typeface="Calibri"/>
-                <a:cs typeface="Calibri"/>
-              </a:rPr>
-              <a:t>View</a:t>
-            </a:r>
-            <a:r>
-              <a:rPr lang="pt-BR" sz="4300" dirty="0">
-                <a:latin typeface="Calibri"/>
-                <a:cs typeface="Calibri"/>
-              </a:rPr>
-              <a:t> que seria a camada de interação com o usuário, ela apenas faz a exibição dos dados  seja por meio de um </a:t>
-            </a:r>
-            <a:r>
-              <a:rPr lang="pt-BR" sz="4300" dirty="0" err="1">
-                <a:latin typeface="Calibri"/>
-                <a:cs typeface="Calibri"/>
-              </a:rPr>
-              <a:t>html</a:t>
-            </a:r>
-            <a:r>
-              <a:rPr lang="pt-BR" sz="4300" dirty="0">
-                <a:latin typeface="Calibri"/>
-                <a:cs typeface="Calibri"/>
-              </a:rPr>
-              <a:t>, e o </a:t>
-            </a:r>
-            <a:r>
-              <a:rPr lang="pt-BR" sz="4300" dirty="0" err="1">
-                <a:latin typeface="Calibri"/>
-                <a:cs typeface="Calibri"/>
-              </a:rPr>
-              <a:t>Controller</a:t>
-            </a:r>
-            <a:r>
-              <a:rPr lang="pt-BR" sz="4300" dirty="0">
-                <a:latin typeface="Calibri"/>
-                <a:cs typeface="Calibri"/>
-              </a:rPr>
-              <a:t> é a camada de controle responsável por receber todas as requisições do usuário. Seus métodos chamados </a:t>
-            </a:r>
-            <a:r>
-              <a:rPr lang="pt-BR" sz="4300" dirty="0" err="1">
-                <a:latin typeface="Calibri"/>
-                <a:cs typeface="Calibri"/>
-              </a:rPr>
-              <a:t>actions</a:t>
-            </a:r>
-            <a:r>
-              <a:rPr lang="pt-BR" sz="4300" dirty="0">
-                <a:latin typeface="Calibri"/>
-                <a:cs typeface="Calibri"/>
-              </a:rPr>
-              <a:t> são responsáveis por uma página, controlando qual </a:t>
-            </a:r>
-            <a:r>
-              <a:rPr lang="pt-BR" sz="4300" dirty="0" err="1">
-                <a:latin typeface="Calibri"/>
-                <a:cs typeface="Calibri"/>
-              </a:rPr>
-              <a:t>Model</a:t>
-            </a:r>
-            <a:r>
-              <a:rPr lang="pt-BR" sz="4300" dirty="0">
-                <a:latin typeface="Calibri"/>
-                <a:cs typeface="Calibri"/>
-              </a:rPr>
-              <a:t> usar e qual </a:t>
-            </a:r>
-            <a:r>
-              <a:rPr lang="pt-BR" sz="4300" dirty="0" err="1">
-                <a:latin typeface="Calibri"/>
-                <a:cs typeface="Calibri"/>
-              </a:rPr>
-              <a:t>view</a:t>
-            </a:r>
-            <a:r>
-              <a:rPr lang="pt-BR" sz="4300" dirty="0">
-                <a:latin typeface="Calibri"/>
-                <a:cs typeface="Calibri"/>
-              </a:rPr>
-              <a:t> será mostrado ao usuário.</a:t>
-            </a:r>
-          </a:p>
-          <a:p>
-            <a:pPr algn="just"/>
-            <a:endParaRPr lang="pt-BR" sz="4331" dirty="0">
-              <a:latin typeface="Calibri"/>
-              <a:cs typeface="Calibri"/>
-            </a:endParaRPr>
-          </a:p>
-          <a:p>
-            <a:br>
-              <a:rPr lang="en-US" sz="9986" dirty="0"/>
-            </a:br>
-            <a:endParaRPr lang="en-US" sz="9986" dirty="0"/>
-          </a:p>
-          <a:p>
-            <a:endParaRPr lang="pt-BR" sz="9986" dirty="0">
-              <a:cs typeface="Calibri"/>
-            </a:endParaRPr>
-          </a:p>
-        </p:txBody>
-      </p:sp>
-      <p:pic>
-        <p:nvPicPr>
-          <p:cNvPr id="16" name="Imagem 16">
+              <a:t>A ideia é enquanto se diverte com  um jogo ao estilo RPG o aluno, até mesmo sem perceber vai apreendendo os assuntos, mesmo sendo neste projeto com foco no ensino de Algoritmo de Programação esse projeto pode ir além, envolvendo tanto Linguagens de Programação em si quanto Calculo , Geometria e qualquer outra matéria que futuramente pode a vir a ser contemplada.</a:t>
+            </a:r>
+          </a:p>
+        </p:txBody>
+      </p:sp>
+      <p:sp>
+        <p:nvSpPr>
+          <p:cNvPr id="18" name="Retângulo 17">
             <a:extLst>
               <a:ext uri="{FF2B5EF4-FFF2-40B4-BE49-F238E27FC236}">
-                <a16:creationId xmlns:a16="http://schemas.microsoft.com/office/drawing/2014/main" id="{228392FC-07B7-4AA9-83D6-B55B60E05AF1}"/>
-              </a:ext>
-            </a:extLst>
-          </p:cNvPr>
-          <p:cNvPicPr>
-            <a:picLocks noChangeAspect="1"/>
-          </p:cNvPicPr>
-          <p:nvPr/>
-        </p:nvPicPr>
-        <p:blipFill>
-          <a:blip r:embed="rId3"/>
-          <a:stretch>
-            <a:fillRect/>
-          </a:stretch>
-        </p:blipFill>
-        <p:spPr>
-          <a:xfrm>
-            <a:off x="-26301" y="30750610"/>
-            <a:ext cx="13882253" cy="7910870"/>
-          </a:xfrm>
-          <a:prstGeom prst="rect">
-            <a:avLst/>
-          </a:prstGeom>
-        </p:spPr>
-      </p:pic>
-      <p:sp>
-        <p:nvSpPr>
-          <p:cNvPr id="21" name="Retângulo 20">
-            <a:extLst>
-              <a:ext uri="{FF2B5EF4-FFF2-40B4-BE49-F238E27FC236}">
-                <a16:creationId xmlns:a16="http://schemas.microsoft.com/office/drawing/2014/main" id="{7B6960C1-861D-422A-80E8-F0B2C1DD5D65}"/>
+                <a16:creationId xmlns:a16="http://schemas.microsoft.com/office/drawing/2014/main" id="{40E720E1-DF1F-49B5-9A38-789170CC1AA1}"/>
               </a:ext>
             </a:extLst>
           </p:cNvPr>
@@ -5642,8 +5766,8 @@
         </p:nvSpPr>
         <p:spPr>
           <a:xfrm>
-            <a:off x="-13938" y="29414858"/>
-            <a:ext cx="13882253" cy="1044206"/>
+            <a:off x="17277347" y="22494637"/>
+            <a:ext cx="15058794" cy="1211180"/>
           </a:xfrm>
           <a:prstGeom prst="rect">
             <a:avLst/>
@@ -5775,24 +5899,17 @@
                 <a:latin typeface="Arial"/>
                 <a:cs typeface="Arial"/>
               </a:rPr>
-              <a:t>3. Aplicação</a:t>
-            </a:r>
-            <a:endParaRPr lang="pt-BR" sz="5151" dirty="0" err="1">
-              <a:solidFill>
-                <a:schemeClr val="bg1"/>
-              </a:solidFill>
-              <a:latin typeface="Arial"/>
-              <a:cs typeface="Arial"/>
-            </a:endParaRPr>
-          </a:p>
-        </p:txBody>
-      </p:sp>
-      <p:sp>
-        <p:nvSpPr>
-          <p:cNvPr id="23" name="CaixaDeTexto 22">
+              <a:t>5. Referencias</a:t>
+            </a:r>
+          </a:p>
+        </p:txBody>
+      </p:sp>
+      <p:sp>
+        <p:nvSpPr>
+          <p:cNvPr id="3" name="CaixaDeTexto 2">
             <a:extLst>
               <a:ext uri="{FF2B5EF4-FFF2-40B4-BE49-F238E27FC236}">
-                <a16:creationId xmlns:a16="http://schemas.microsoft.com/office/drawing/2014/main" id="{C9F5866A-620B-4EEA-A570-247306BF3E75}"/>
+                <a16:creationId xmlns:a16="http://schemas.microsoft.com/office/drawing/2014/main" id="{E873271E-F72F-4C6F-AB1A-49F48BB42C60}"/>
               </a:ext>
             </a:extLst>
           </p:cNvPr>
@@ -5801,91 +5918,117 @@
         </p:nvSpPr>
         <p:spPr>
           <a:xfrm>
-            <a:off x="1059449" y="38620358"/>
-            <a:ext cx="11697148" cy="1698725"/>
+            <a:off x="17277347" y="24368534"/>
+            <a:ext cx="15139617" cy="12369171"/>
           </a:xfrm>
           <a:prstGeom prst="rect">
             <a:avLst/>
           </a:prstGeom>
+          <a:noFill/>
         </p:spPr>
         <p:txBody>
-          <a:bodyPr rot="0" spcFirstLastPara="0" vertOverflow="overflow" horzOverflow="overflow" vert="horz" wrap="square" lIns="59999" tIns="29999" rIns="59999" bIns="29999" numCol="1" spcCol="0" rtlCol="0" fromWordArt="0" anchor="t" anchorCtr="0" forceAA="0" compatLnSpc="1">
-            <a:prstTxWarp prst="textNoShape">
-              <a:avLst/>
-            </a:prstTxWarp>
+          <a:bodyPr wrap="square" rtlCol="0">
             <a:spAutoFit/>
           </a:bodyPr>
           <a:lstStyle/>
           <a:p>
             <a:r>
-              <a:rPr lang="pt-BR" sz="3500" b="1" dirty="0">
-                <a:cs typeface="Calibri"/>
-              </a:rPr>
-              <a:t>Figura 1. Esta figura representa a tela inicial da aplicação web.</a:t>
+              <a:rPr lang="pt-BR" sz="4300" dirty="0"/>
+              <a:t>GALLEGO, Julia </a:t>
+            </a:r>
+            <a:r>
+              <a:rPr lang="pt-BR" sz="4300" dirty="0" err="1"/>
+              <a:t>Perucchetti</a:t>
+            </a:r>
+            <a:r>
+              <a:rPr lang="pt-BR" sz="4300" dirty="0"/>
+              <a:t>. A Utilização dos Jogos como Recurso Didático no Ensino de Matemática. Trabalho de Conclusão de Curso - Faculdade de Ciências UNESP. Orientador: Prof.       Dr. Nelson Antônio </a:t>
+            </a:r>
+            <a:r>
+              <a:rPr lang="pt-BR" sz="4300" dirty="0" err="1"/>
+              <a:t>Pirola</a:t>
+            </a:r>
+            <a:r>
+              <a:rPr lang="pt-BR" sz="4300" dirty="0"/>
+              <a:t>. Bauru, 2007. </a:t>
+            </a:r>
+          </a:p>
+          <a:p>
+            <a:r>
+              <a:rPr lang="pt-BR" sz="4300" dirty="0"/>
+              <a:t>AMARAL, Ricardo. Uso do RPG pedagógico para o ensino de Física. Dissertação (Mestrado em Ensino das Ciências). Universidade Federal Rural de Pernambuco. Recife: UFRPE, 2008. </a:t>
+            </a:r>
+          </a:p>
+          <a:p>
+            <a:r>
+              <a:rPr lang="pt-BR" sz="4300" dirty="0"/>
+              <a:t>ARROYO, Miguel G. Imagens Quebradas – trajetórias e tempos de alunos e mestres. 4.ed. Petrópolis, </a:t>
+            </a:r>
+            <a:r>
+              <a:rPr lang="pt-BR" sz="4300" dirty="0" err="1"/>
+              <a:t>RJ:Vozes</a:t>
+            </a:r>
+            <a:r>
+              <a:rPr lang="pt-BR" sz="4300" dirty="0"/>
+              <a:t>, 2007. </a:t>
+            </a:r>
+          </a:p>
+          <a:p>
+            <a:r>
+              <a:rPr lang="pt-BR" sz="4300" dirty="0"/>
+              <a:t>BRANDÃO, Dênis M. S. e CREMA, Roberto. Visão Holística em Psicologia e Educação. 2. ed.. São Paulo: </a:t>
+            </a:r>
+            <a:r>
+              <a:rPr lang="pt-BR" sz="4300" dirty="0" err="1"/>
+              <a:t>Summus</a:t>
+            </a:r>
+            <a:r>
+              <a:rPr lang="pt-BR" sz="4300" dirty="0"/>
+              <a:t>, 1991.</a:t>
+            </a:r>
+          </a:p>
+          <a:p>
+            <a:r>
+              <a:rPr lang="pt-BR" sz="4300" dirty="0"/>
+              <a:t>RIYIS, Marcos. Simples – sistema inicial para mestres-professores lecionarem através de uma estratégia motivadora. São Paulo: Ed. do Autor, 2004. </a:t>
+            </a:r>
+          </a:p>
+          <a:p>
+            <a:r>
+              <a:rPr lang="pt-BR" sz="4300" dirty="0"/>
+              <a:t>MARCATTO, Alfeu. Saindo do quadro – uma metodologia lúdica e participativa baseada no role </a:t>
+            </a:r>
+            <a:r>
+              <a:rPr lang="pt-BR" sz="4300" dirty="0" err="1"/>
+              <a:t>playing</a:t>
+            </a:r>
+            <a:r>
+              <a:rPr lang="pt-BR" sz="4300" dirty="0"/>
+              <a:t> game. 2. ed. São Paulo: A. </a:t>
+            </a:r>
+            <a:r>
+              <a:rPr lang="pt-BR" sz="4300" dirty="0" err="1"/>
+              <a:t>Marcatto</a:t>
+            </a:r>
+            <a:r>
+              <a:rPr lang="pt-BR" sz="4300" dirty="0"/>
+              <a:t>, 1996.</a:t>
             </a:r>
           </a:p>
           <a:p>
             <a:br>
-              <a:rPr lang="en-US" sz="845" dirty="0"/>
+              <a:rPr lang="pt-BR" dirty="0"/>
             </a:br>
-            <a:endParaRPr lang="en-US" sz="3150" dirty="0">
-              <a:cs typeface="Calibri"/>
-            </a:endParaRPr>
-          </a:p>
-          <a:p>
-            <a:pPr algn="l"/>
-            <a:endParaRPr lang="pt-BR" sz="3150" dirty="0">
-              <a:cs typeface="Calibri"/>
-            </a:endParaRPr>
-          </a:p>
-        </p:txBody>
-      </p:sp>
-      <p:sp>
-        <p:nvSpPr>
-          <p:cNvPr id="24" name="CaixaDeTexto 23">
+            <a:endParaRPr lang="pt-BR" dirty="0"/>
+          </a:p>
+        </p:txBody>
+      </p:sp>
+      <p:sp>
+        <p:nvSpPr>
+          <p:cNvPr id="19" name="Retângulo 18">
             <a:extLst>
               <a:ext uri="{FF2B5EF4-FFF2-40B4-BE49-F238E27FC236}">
-                <a16:creationId xmlns:a16="http://schemas.microsoft.com/office/drawing/2014/main" id="{0F737D3C-8ED1-4DFD-AA1E-289355A17871}"/>
-              </a:ext>
-            </a:extLst>
-          </p:cNvPr>
-          <p:cNvSpPr txBox="1"/>
-          <p:nvPr/>
-        </p:nvSpPr>
-        <p:spPr>
-          <a:xfrm>
-            <a:off x="18424772" y="7765596"/>
-            <a:ext cx="13988399" cy="8001219"/>
-          </a:xfrm>
-          <a:prstGeom prst="rect">
-            <a:avLst/>
-          </a:prstGeom>
-        </p:spPr>
-        <p:txBody>
-          <a:bodyPr rot="0" spcFirstLastPara="0" vertOverflow="overflow" horzOverflow="overflow" vert="horz" wrap="square" lIns="59999" tIns="29999" rIns="59999" bIns="29999" numCol="1" spcCol="0" rtlCol="0" fromWordArt="0" anchor="t" anchorCtr="0" forceAA="0" compatLnSpc="1">
-            <a:prstTxWarp prst="textNoShape">
-              <a:avLst/>
-            </a:prstTxWarp>
-            <a:spAutoFit/>
-          </a:bodyPr>
-          <a:lstStyle/>
-          <a:p>
-            <a:r>
-              <a:rPr lang="pt-BR" sz="4300" dirty="0">
-                <a:latin typeface="Calibri" panose="020F0502020204030204" pitchFamily="34" charset="0"/>
-                <a:cs typeface="Calibri" panose="020F0502020204030204" pitchFamily="34" charset="0"/>
-              </a:rPr>
-              <a:t>A aplicação web inicializara com uma tela simples de login, nela poderá ser feito sua entrada ao site, cadastro de um novo usuário e a recuperação caso tenha esquecido sua senha. Assim que fizer o login o usuário é levado a uma tela inicial e nela e possível escolher o acesso as funcionalidades da aplicação que são separadas por 2 partes, professores e alunos, por parte do professor e feito o  cadastro das habilidades, dos desafios e das matérias assim como a correção dos desafios respondidos  pelos alunos, já os alunos poderão acessar os desafios, acompanhar as matérias que está cadastrado e também visualizar sua progressão referente ao nível e as habilidades que obteve.</a:t>
-            </a:r>
-          </a:p>
-        </p:txBody>
-      </p:sp>
-      <p:sp>
-        <p:nvSpPr>
-          <p:cNvPr id="17" name="Retângulo 16">
-            <a:extLst>
-              <a:ext uri="{FF2B5EF4-FFF2-40B4-BE49-F238E27FC236}">
-                <a16:creationId xmlns:a16="http://schemas.microsoft.com/office/drawing/2014/main" id="{7280F177-4C10-4884-B584-1EF0EE2B228C}"/>
+                <a16:creationId xmlns:a16="http://schemas.microsoft.com/office/drawing/2014/main" id="{2C5AE6FD-1CC9-4DA3-BFA5-10D697A3E046}"/>
               </a:ext>
             </a:extLst>
           </p:cNvPr>
@@ -5894,8 +6037,8 @@
         </p:nvSpPr>
         <p:spPr>
           <a:xfrm>
-            <a:off x="18347741" y="16113164"/>
-            <a:ext cx="13988399" cy="993387"/>
+            <a:off x="18423" y="7664145"/>
+            <a:ext cx="15279667" cy="1277477"/>
           </a:xfrm>
           <a:prstGeom prst="rect">
             <a:avLst/>
@@ -5921,7 +6064,7 @@
           </a:fontRef>
         </p:style>
         <p:txBody>
-          <a:bodyPr lIns="169087" tIns="84543" rIns="169087" bIns="84543" rtlCol="0" anchor="ctr"/>
+          <a:bodyPr rtlCol="0" anchor="ctr"/>
           <a:lstStyle>
             <a:defPPr>
               <a:defRPr lang="de-DE"/>
@@ -6020,62 +6163,24 @@
           <a:p>
             <a:pPr algn="ctr"/>
             <a:r>
-              <a:rPr lang="pt-BR" sz="5151" dirty="0">
+              <a:rPr lang="pt-BR" sz="5178" dirty="0">
                 <a:solidFill>
                   <a:schemeClr val="bg1"/>
                 </a:solidFill>
                 <a:latin typeface="Arial"/>
                 <a:cs typeface="Arial"/>
               </a:rPr>
-              <a:t>4. Conclusões</a:t>
-            </a:r>
-          </a:p>
-        </p:txBody>
-      </p:sp>
-      <p:sp>
-        <p:nvSpPr>
-          <p:cNvPr id="2" name="CaixaDeTexto 1">
+              <a:t>1. Introdução</a:t>
+            </a:r>
+          </a:p>
+        </p:txBody>
+      </p:sp>
+      <p:sp>
+        <p:nvSpPr>
+          <p:cNvPr id="20" name="Retângulo 19">
             <a:extLst>
               <a:ext uri="{FF2B5EF4-FFF2-40B4-BE49-F238E27FC236}">
-                <a16:creationId xmlns:a16="http://schemas.microsoft.com/office/drawing/2014/main" id="{46AA6B19-BBD4-41BD-87B3-470929E41D4A}"/>
-              </a:ext>
-            </a:extLst>
-          </p:cNvPr>
-          <p:cNvSpPr txBox="1"/>
-          <p:nvPr/>
-        </p:nvSpPr>
-        <p:spPr>
-          <a:xfrm>
-            <a:off x="18557219" y="17769268"/>
-            <a:ext cx="13855952" cy="4724370"/>
-          </a:xfrm>
-          <a:prstGeom prst="rect">
-            <a:avLst/>
-          </a:prstGeom>
-          <a:noFill/>
-        </p:spPr>
-        <p:txBody>
-          <a:bodyPr wrap="square" rtlCol="0">
-            <a:spAutoFit/>
-          </a:bodyPr>
-          <a:lstStyle/>
-          <a:p>
-            <a:r>
-              <a:rPr lang="pt-BR" sz="4300" dirty="0">
-                <a:latin typeface="Calibri" panose="020F0502020204030204" pitchFamily="34" charset="0"/>
-                <a:cs typeface="Calibri" panose="020F0502020204030204" pitchFamily="34" charset="0"/>
-              </a:rPr>
-              <a:t>A ideia é enquanto se diverte com  um jogo ao estilo RPG o aluno, até mesmo sem perceber vai apreendendo os assuntos, mesmo sendo neste projeto com foco no ensino de Algoritmo de Programação esse projeto pode ir além, envolvendo tanto Linguagens de Programação em si quanto Calculo , Geometria e qualquer outra matéria que futuramente pode a vir a ser contemplada.</a:t>
-            </a:r>
-          </a:p>
-        </p:txBody>
-      </p:sp>
-      <p:sp>
-        <p:nvSpPr>
-          <p:cNvPr id="18" name="Retângulo 17">
-            <a:extLst>
-              <a:ext uri="{FF2B5EF4-FFF2-40B4-BE49-F238E27FC236}">
-                <a16:creationId xmlns:a16="http://schemas.microsoft.com/office/drawing/2014/main" id="{40E720E1-DF1F-49B5-9A38-789170CC1AA1}"/>
+                <a16:creationId xmlns:a16="http://schemas.microsoft.com/office/drawing/2014/main" id="{91890E6F-039F-4918-8AEA-17CD86F927C5}"/>
               </a:ext>
             </a:extLst>
           </p:cNvPr>
@@ -6084,8 +6189,8 @@
         </p:nvSpPr>
         <p:spPr>
           <a:xfrm>
-            <a:off x="18347741" y="22712429"/>
-            <a:ext cx="13988399" cy="993387"/>
+            <a:off x="-26301" y="29137905"/>
+            <a:ext cx="15279667" cy="1277477"/>
           </a:xfrm>
           <a:prstGeom prst="rect">
             <a:avLst/>
@@ -6111,7 +6216,7 @@
           </a:fontRef>
         </p:style>
         <p:txBody>
-          <a:bodyPr lIns="169087" tIns="84543" rIns="169087" bIns="84543" rtlCol="0" anchor="ctr"/>
+          <a:bodyPr rtlCol="0" anchor="ctr"/>
           <a:lstStyle>
             <a:defPPr>
               <a:defRPr lang="de-DE"/>
@@ -6210,134 +6315,15 @@
           <a:p>
             <a:pPr algn="ctr"/>
             <a:r>
-              <a:rPr lang="pt-BR" sz="5151" dirty="0">
+              <a:rPr lang="pt-BR" sz="5178" dirty="0">
                 <a:solidFill>
                   <a:schemeClr val="bg1"/>
                 </a:solidFill>
                 <a:latin typeface="Arial"/>
                 <a:cs typeface="Arial"/>
               </a:rPr>
-              <a:t>5. Referencias</a:t>
-            </a:r>
-          </a:p>
-        </p:txBody>
-      </p:sp>
-      <p:sp>
-        <p:nvSpPr>
-          <p:cNvPr id="3" name="CaixaDeTexto 2">
-            <a:extLst>
-              <a:ext uri="{FF2B5EF4-FFF2-40B4-BE49-F238E27FC236}">
-                <a16:creationId xmlns:a16="http://schemas.microsoft.com/office/drawing/2014/main" id="{E873271E-F72F-4C6F-AB1A-49F48BB42C60}"/>
-              </a:ext>
-            </a:extLst>
-          </p:cNvPr>
-          <p:cNvSpPr txBox="1"/>
-          <p:nvPr/>
-        </p:nvSpPr>
-        <p:spPr>
-          <a:xfrm>
-            <a:off x="18557219" y="24180422"/>
-            <a:ext cx="13859745" cy="12557284"/>
-          </a:xfrm>
-          <a:prstGeom prst="rect">
-            <a:avLst/>
-          </a:prstGeom>
-          <a:noFill/>
-        </p:spPr>
-        <p:txBody>
-          <a:bodyPr wrap="square" rtlCol="0">
-            <a:spAutoFit/>
-          </a:bodyPr>
-          <a:lstStyle/>
-          <a:p>
-            <a:r>
-              <a:rPr lang="pt-BR" sz="4300" dirty="0"/>
-              <a:t>GALLEGO, Julia </a:t>
-            </a:r>
-            <a:r>
-              <a:rPr lang="pt-BR" sz="4300" dirty="0" err="1"/>
-              <a:t>Perucchetti</a:t>
-            </a:r>
-            <a:r>
-              <a:rPr lang="pt-BR" sz="4300" dirty="0"/>
-              <a:t>. A Utilização dos Jogos como Recurso Didático no Ensino de Matemática. Trabalho de Conclusão de Curso - Faculdade de Ciências UNESP. Orientador: Prof.       Dr. Nelson Antônio </a:t>
-            </a:r>
-            <a:r>
-              <a:rPr lang="pt-BR" sz="4300" dirty="0" err="1"/>
-              <a:t>Pirola</a:t>
-            </a:r>
-            <a:r>
-              <a:rPr lang="pt-BR" sz="4300" dirty="0"/>
-              <a:t>. Bauru, 2007. </a:t>
-            </a:r>
-          </a:p>
-          <a:p>
-            <a:r>
-              <a:rPr lang="pt-BR" sz="4300" dirty="0"/>
-              <a:t>AMARAL, Ricardo. Uso do RPG pedagógico para o ensino de Física. Dissertação (Mestrado em Ensino das Ciências). Universidade Federal Rural de Pernambuco. Recife: UFRPE, 2008. </a:t>
-            </a:r>
-          </a:p>
-          <a:p>
-            <a:r>
-              <a:rPr lang="pt-BR" sz="4300" dirty="0"/>
-              <a:t>ARROYO, Miguel G. Imagens Quebradas – trajetórias e tempos de alunos e mestres. 4.ed. Petrópolis, </a:t>
-            </a:r>
-            <a:r>
-              <a:rPr lang="pt-BR" sz="4300" dirty="0" err="1"/>
-              <a:t>RJ:Vozes</a:t>
-            </a:r>
-            <a:r>
-              <a:rPr lang="pt-BR" sz="4300" dirty="0"/>
-              <a:t>, 2007. </a:t>
-            </a:r>
-          </a:p>
-          <a:p>
-            <a:r>
-              <a:rPr lang="pt-BR" sz="4300" dirty="0"/>
-              <a:t>BRANDÃO, Dênis M. S. e CREMA, Roberto. Visão Holística em Psicologia e Educação. 2. ed.. São Paulo: </a:t>
-            </a:r>
-            <a:r>
-              <a:rPr lang="pt-BR" sz="4300" dirty="0" err="1"/>
-              <a:t>Summus</a:t>
-            </a:r>
-            <a:r>
-              <a:rPr lang="pt-BR" sz="4300" dirty="0"/>
-              <a:t>, 1991.</a:t>
-            </a:r>
-          </a:p>
-          <a:p>
-            <a:r>
-              <a:rPr lang="pt-BR" sz="4300" dirty="0"/>
-              <a:t>RIYIS, Marcos. Simples – sistema inicial para mestres-professores lecionarem através de uma estratégia motivadora. São Paulo: Ed. do Autor, 2004. </a:t>
-            </a:r>
-          </a:p>
-          <a:p>
-            <a:r>
-              <a:rPr lang="pt-BR" sz="4300" dirty="0"/>
-              <a:t>MARCATTO, Alfeu. Saindo do quadro – uma metodologia lúdica e participativa baseada no role </a:t>
-            </a:r>
-            <a:r>
-              <a:rPr lang="pt-BR" sz="4300" dirty="0" err="1"/>
-              <a:t>playing</a:t>
-            </a:r>
-            <a:r>
-              <a:rPr lang="pt-BR" sz="4300" dirty="0"/>
-              <a:t> game. 2. ed. São Paulo: A. </a:t>
-            </a:r>
-            <a:r>
-              <a:rPr lang="pt-BR" sz="4300" dirty="0" err="1"/>
-              <a:t>Marcatto</a:t>
-            </a:r>
-            <a:r>
-              <a:rPr lang="pt-BR" sz="4300" dirty="0"/>
-              <a:t>, 1996.</a:t>
-            </a:r>
-          </a:p>
-          <a:p>
-            <a:br>
-              <a:rPr lang="pt-BR" dirty="0"/>
-            </a:br>
-            <a:endParaRPr lang="pt-BR" dirty="0"/>
+              <a:t>3. Aplicação</a:t>
+            </a:r>
           </a:p>
         </p:txBody>
       </p:sp>

--- a/Apresentação (1).pptx
+++ b/Apresentação (1).pptx
@@ -5461,8 +5461,8 @@
         </p:blipFill>
         <p:spPr>
           <a:xfrm>
-            <a:off x="194572" y="30684879"/>
-            <a:ext cx="14927370" cy="6957684"/>
+            <a:off x="17101200" y="7510873"/>
+            <a:ext cx="14927370" cy="5364641"/>
           </a:xfrm>
           <a:prstGeom prst="rect">
             <a:avLst/>
@@ -5483,8 +5483,8 @@
         </p:nvSpPr>
         <p:spPr>
           <a:xfrm>
-            <a:off x="1764958" y="37748532"/>
-            <a:ext cx="11697148" cy="2268111"/>
+            <a:off x="19084619" y="12966104"/>
+            <a:ext cx="11697148" cy="1652558"/>
           </a:xfrm>
           <a:prstGeom prst="rect">
             <a:avLst/>
@@ -5500,10 +5500,10 @@
           <a:lstStyle/>
           <a:p>
             <a:r>
-              <a:rPr lang="pt-BR" sz="3600" b="1" dirty="0">
+              <a:rPr lang="pt-BR" sz="3200" b="1" dirty="0">
                 <a:cs typeface="Calibri"/>
               </a:rPr>
-              <a:t>Figura 1. Esta figura representa a tela inicial da aplicação web.</a:t>
+              <a:t>Figura 2. Esta figura representa a tela inicial da aplicação web.</a:t>
             </a:r>
           </a:p>
           <a:p>
@@ -5536,7 +5536,7 @@
         </p:nvSpPr>
         <p:spPr>
           <a:xfrm>
-            <a:off x="17354377" y="8228670"/>
+            <a:off x="17403796" y="13643363"/>
             <a:ext cx="15058794" cy="7339500"/>
           </a:xfrm>
           <a:prstGeom prst="rect">
@@ -5576,8 +5576,8 @@
         </p:nvSpPr>
         <p:spPr>
           <a:xfrm>
-            <a:off x="17354377" y="15829074"/>
-            <a:ext cx="14981764" cy="1277477"/>
+            <a:off x="17363386" y="20982863"/>
+            <a:ext cx="14972756" cy="1277477"/>
           </a:xfrm>
           <a:prstGeom prst="rect">
             <a:avLst/>
@@ -5728,7 +5728,7 @@
         </p:nvSpPr>
         <p:spPr>
           <a:xfrm>
-            <a:off x="17273554" y="17503182"/>
+            <a:off x="17363385" y="22305635"/>
             <a:ext cx="15139617" cy="4724370"/>
           </a:xfrm>
           <a:prstGeom prst="rect">
@@ -5766,8 +5766,8 @@
         </p:nvSpPr>
         <p:spPr>
           <a:xfrm>
-            <a:off x="17277347" y="22494637"/>
-            <a:ext cx="15058794" cy="1211180"/>
+            <a:off x="17354377" y="27120594"/>
+            <a:ext cx="14981764" cy="1211180"/>
           </a:xfrm>
           <a:prstGeom prst="rect">
             <a:avLst/>
@@ -5918,7 +5918,7 @@
         </p:nvSpPr>
         <p:spPr>
           <a:xfrm>
-            <a:off x="17277347" y="24368534"/>
+            <a:off x="17363385" y="28300030"/>
             <a:ext cx="15139617" cy="12369171"/>
           </a:xfrm>
           <a:prstGeom prst="rect">
@@ -6324,6 +6324,98 @@
               </a:rPr>
               <a:t>3. Aplicação</a:t>
             </a:r>
+          </a:p>
+        </p:txBody>
+      </p:sp>
+      <p:pic>
+        <p:nvPicPr>
+          <p:cNvPr id="1026" name="Picture 2" descr="https://lh6.googleusercontent.com/3lEzKpRftXKxHJKfywMNehl8tFs-n13-suLkDUwzrxih2F8MVHIWnbN36XKo_1gLp7GhngeCxtmthiCNfJ0XAVIO43bqVEDQEh41xJRsJer_9QGVDzSTCbBW2tO-lqeKkgQzJOk5">
+            <a:extLst>
+              <a:ext uri="{FF2B5EF4-FFF2-40B4-BE49-F238E27FC236}">
+                <a16:creationId xmlns:a16="http://schemas.microsoft.com/office/drawing/2014/main" id="{FFD7A19E-2BD6-4085-8185-932774048961}"/>
+              </a:ext>
+            </a:extLst>
+          </p:cNvPr>
+          <p:cNvPicPr>
+            <a:picLocks noChangeAspect="1" noChangeArrowheads="1"/>
+          </p:cNvPicPr>
+          <p:nvPr/>
+        </p:nvPicPr>
+        <p:blipFill>
+          <a:blip r:embed="rId4">
+            <a:extLst>
+              <a:ext uri="{28A0092B-C50C-407E-A947-70E740481C1C}">
+                <a14:useLocalDpi xmlns:a14="http://schemas.microsoft.com/office/drawing/2010/main" val="0"/>
+              </a:ext>
+            </a:extLst>
+          </a:blip>
+          <a:srcRect/>
+          <a:stretch>
+            <a:fillRect/>
+          </a:stretch>
+        </p:blipFill>
+        <p:spPr bwMode="auto">
+          <a:xfrm>
+            <a:off x="78451" y="30818553"/>
+            <a:ext cx="14957453" cy="7866337"/>
+          </a:xfrm>
+          <a:prstGeom prst="rect">
+            <a:avLst/>
+          </a:prstGeom>
+          <a:noFill/>
+          <a:extLst>
+            <a:ext uri="{909E8E84-426E-40DD-AFC4-6F175D3DCCD1}">
+              <a14:hiddenFill xmlns:a14="http://schemas.microsoft.com/office/drawing/2010/main">
+                <a:solidFill>
+                  <a:srgbClr val="FFFFFF"/>
+                </a:solidFill>
+              </a14:hiddenFill>
+            </a:ext>
+          </a:extLst>
+        </p:spPr>
+      </p:pic>
+      <p:sp>
+        <p:nvSpPr>
+          <p:cNvPr id="7" name="CaixaDeTexto 6">
+            <a:extLst>
+              <a:ext uri="{FF2B5EF4-FFF2-40B4-BE49-F238E27FC236}">
+                <a16:creationId xmlns:a16="http://schemas.microsoft.com/office/drawing/2014/main" id="{C115FFC8-3088-4270-A334-C9C60DC25FB1}"/>
+              </a:ext>
+            </a:extLst>
+          </p:cNvPr>
+          <p:cNvSpPr txBox="1"/>
+          <p:nvPr/>
+        </p:nvSpPr>
+        <p:spPr>
+          <a:xfrm>
+            <a:off x="2316935" y="38684891"/>
+            <a:ext cx="12320337" cy="1569660"/>
+          </a:xfrm>
+          <a:prstGeom prst="rect">
+            <a:avLst/>
+          </a:prstGeom>
+          <a:noFill/>
+        </p:spPr>
+        <p:txBody>
+          <a:bodyPr wrap="square" rtlCol="0">
+            <a:spAutoFit/>
+          </a:bodyPr>
+          <a:lstStyle/>
+          <a:p>
+            <a:r>
+              <a:rPr lang="pt-BR" sz="3200" b="1" dirty="0">
+                <a:cs typeface="Calibri"/>
+              </a:rPr>
+              <a:t>Figura 1. Esta figura representa a tela de criação de desafios.</a:t>
+            </a:r>
+          </a:p>
+          <a:p>
+            <a:br>
+              <a:rPr lang="en-US" sz="3200" dirty="0"/>
+            </a:br>
+            <a:endParaRPr lang="en-US" sz="3200" dirty="0">
+              <a:cs typeface="Calibri"/>
+            </a:endParaRPr>
           </a:p>
         </p:txBody>
       </p:sp>
